--- a/Personas/GiuseppeMercurio_s264739_Persona.pptx
+++ b/Personas/GiuseppeMercurio_s264739_Persona.pptx
@@ -5431,7 +5431,7 @@
               <a:buNone/>
             </a:pPr>
             <a:r>
-              <a:rPr lang="en-GB" sz="1600" dirty="0">
+              <a:rPr lang="en-GB" sz="1600">
                 <a:solidFill>
                   <a:srgbClr val="0056CB"/>
                 </a:solidFill>
@@ -5440,11 +5440,11 @@
                 <a:cs typeface="Titillium Web SemiBold"/>
                 <a:sym typeface="Titillium Web SemiBold"/>
               </a:rPr>
-              <a:t>Meticulous Headmaster</a:t>
+              <a:t>Meticulous Admin Officer</a:t>
             </a:r>
             <a:endParaRPr lang="en-GB" sz="1600" dirty="0">
               <a:solidFill>
-                <a:srgbClr val="5A6772"/>
+                <a:srgbClr val="0056CB"/>
               </a:solidFill>
               <a:latin typeface="Titillium Web SemiBold"/>
               <a:ea typeface="Titillium Web SemiBold"/>
